--- a/R-Med Poster 2023/Sjoberg - RMed 2023 CRC Poster.pptx
+++ b/R-Med Poster 2023/Sjoberg - RMed 2023 CRC Poster.pptx
@@ -2631,8 +2631,8 @@
         </p:blipFill>
         <p:spPr>
           <a:xfrm>
-            <a:off x="17136846" y="12114647"/>
-            <a:ext cx="13441929" cy="9262505"/>
+            <a:off x="16516363" y="12016676"/>
+            <a:ext cx="14062413" cy="9690065"/>
           </a:xfrm>
           <a:prstGeom prst="rect">
             <a:avLst/>

--- a/R-Med Poster 2023/Sjoberg - RMed 2023 CRC Poster.pptx
+++ b/R-Med Poster 2023/Sjoberg - RMed 2023 CRC Poster.pptx
@@ -1782,7 +1782,7 @@
           <a:p>
             <a:r>
               <a:rPr lang="en-US" dirty="0"/>
-              <a:t>Accurate Estimation of Patient Death from Two Competing Events</a:t>
+              <a:t>Estimation of Patient Death Accounting for Competing Events</a:t>
             </a:r>
             <a:endParaRPr dirty="0"/>
           </a:p>
@@ -2158,7 +2158,7 @@
         </p:nvSpPr>
         <p:spPr>
           <a:xfrm>
-            <a:off x="1358582" y="13010188"/>
+            <a:off x="1358582" y="12879560"/>
             <a:ext cx="9636761" cy="678327"/>
           </a:xfrm>
           <a:prstGeom prst="rect">
@@ -2214,7 +2214,7 @@
         </p:nvSpPr>
         <p:spPr>
           <a:xfrm>
-            <a:off x="1356994" y="13863139"/>
+            <a:off x="1356994" y="13732511"/>
             <a:ext cx="15163166" cy="7586692"/>
           </a:xfrm>
           <a:prstGeom prst="rect">
@@ -2548,7 +2548,7 @@
         </p:blipFill>
         <p:spPr>
           <a:xfrm>
-            <a:off x="17136847" y="4552682"/>
+            <a:off x="17561388" y="4552682"/>
             <a:ext cx="8670758" cy="7561966"/>
           </a:xfrm>
           <a:prstGeom prst="rect">

--- a/R-Med Poster 2023/Sjoberg - RMed 2023 CRC Poster.pptx
+++ b/R-Med Poster 2023/Sjoberg - RMed 2023 CRC Poster.pptx
@@ -310,6 +310,11 @@
       </a:defRPr>
     </a:lvl9pPr>
   </p:defaultTextStyle>
+  <p:extLst>
+    <p:ext uri="{EFAFB233-063F-42B5-8137-9DF3F51BA10A}">
+      <p15:sldGuideLst xmlns:p15="http://schemas.microsoft.com/office/powerpoint/2012/main"/>
+    </p:ext>
+  </p:extLst>
 </p:presentation>
 </file>
 
@@ -875,7 +880,7 @@
           </a:ln>
           <a:extLst>
             <a:ext uri="{C572A759-6A51-4108-AA02-DFA0A04FC94B}">
-              <ma14:wrappingTextBoxFlag xmlns="" xmlns:m="http://schemas.openxmlformats.org/officeDocument/2006/math" xmlns:a14="http://schemas.microsoft.com/office/drawing/2010/main" xmlns:ma14="http://schemas.microsoft.com/office/mac/drawingml/2011/main" val="1"/>
+              <ma14:wrappingTextBoxFlag xmlns:ma14="http://schemas.microsoft.com/office/mac/drawingml/2011/main" xmlns:a14="http://schemas.microsoft.com/office/drawing/2010/main" xmlns:m="http://schemas.openxmlformats.org/officeDocument/2006/math" xmlns="" val="1"/>
             </a:ext>
           </a:extLst>
         </p:spPr>
@@ -914,7 +919,7 @@
           </a:ln>
           <a:extLst>
             <a:ext uri="{C572A759-6A51-4108-AA02-DFA0A04FC94B}">
-              <ma14:wrappingTextBoxFlag xmlns="" xmlns:m="http://schemas.openxmlformats.org/officeDocument/2006/math" xmlns:a14="http://schemas.microsoft.com/office/drawing/2010/main" xmlns:ma14="http://schemas.microsoft.com/office/mac/drawingml/2011/main" val="1"/>
+              <ma14:wrappingTextBoxFlag xmlns:ma14="http://schemas.microsoft.com/office/mac/drawingml/2011/main" xmlns:a14="http://schemas.microsoft.com/office/drawing/2010/main" xmlns:m="http://schemas.openxmlformats.org/officeDocument/2006/math" xmlns="" val="1"/>
             </a:ext>
           </a:extLst>
         </p:spPr>
@@ -1842,7 +1847,7 @@
           </a:prstGeom>
           <a:extLst>
             <a:ext uri="{C572A759-6A51-4108-AA02-DFA0A04FC94B}">
-              <ma14:wrappingTextBoxFlag xmlns="" xmlns:m="http://schemas.openxmlformats.org/officeDocument/2006/math" xmlns:a14="http://schemas.microsoft.com/office/drawing/2010/main" xmlns:ma14="http://schemas.microsoft.com/office/mac/drawingml/2011/main" val="1"/>
+              <ma14:wrappingTextBoxFlag xmlns:ma14="http://schemas.microsoft.com/office/mac/drawingml/2011/main" xmlns:a14="http://schemas.microsoft.com/office/drawing/2010/main" xmlns:m="http://schemas.openxmlformats.org/officeDocument/2006/math" xmlns="" val="1"/>
             </a:ext>
           </a:extLst>
         </p:spPr>
@@ -1884,7 +1889,7 @@
           </a:prstGeom>
           <a:extLst>
             <a:ext uri="{C572A759-6A51-4108-AA02-DFA0A04FC94B}">
-              <ma14:wrappingTextBoxFlag xmlns="" xmlns:m="http://schemas.openxmlformats.org/officeDocument/2006/math" xmlns:a14="http://schemas.microsoft.com/office/drawing/2010/main" xmlns:ma14="http://schemas.microsoft.com/office/mac/drawingml/2011/main" val="1"/>
+              <ma14:wrappingTextBoxFlag xmlns:ma14="http://schemas.microsoft.com/office/mac/drawingml/2011/main" xmlns:a14="http://schemas.microsoft.com/office/drawing/2010/main" xmlns:m="http://schemas.openxmlformats.org/officeDocument/2006/math" xmlns="" val="1"/>
             </a:ext>
           </a:extLst>
         </p:spPr>
@@ -1934,7 +1939,7 @@
           </a:prstGeom>
           <a:extLst>
             <a:ext uri="{C572A759-6A51-4108-AA02-DFA0A04FC94B}">
-              <ma14:wrappingTextBoxFlag xmlns="" xmlns:m="http://schemas.openxmlformats.org/officeDocument/2006/math" xmlns:a14="http://schemas.microsoft.com/office/drawing/2010/main" xmlns:ma14="http://schemas.microsoft.com/office/mac/drawingml/2011/main" val="1"/>
+              <ma14:wrappingTextBoxFlag xmlns:ma14="http://schemas.microsoft.com/office/mac/drawingml/2011/main" xmlns:a14="http://schemas.microsoft.com/office/drawing/2010/main" xmlns:m="http://schemas.openxmlformats.org/officeDocument/2006/math" xmlns="" val="1"/>
             </a:ext>
           </a:extLst>
         </p:spPr>
@@ -2003,7 +2008,7 @@
             </a:pPr>
             <a:r>
               <a:rPr lang="en-US" dirty="0"/>
-              <a:t>Conversely, large data sets with detailed information on comorbidities suitable prediction of other-cause mortality will not include detailed information on cancer burden. </a:t>
+              <a:t>Conversely, large data sets with detailed information on comorbidities suitable for prediction of other-cause mortality will not include detailed information on cancer burden. </a:t>
             </a:r>
           </a:p>
           <a:p>
@@ -2024,7 +2029,7 @@
             </a:pPr>
             <a:r>
               <a:rPr lang="en-US" dirty="0"/>
-              <a:t>Take two patients with identical low-risk disease profiles. </a:t>
+              <a:t>Take two patients with identical low-risk disease profiles. If the first patient is highly comorbid with low life expectancy and the second is healthy with a long life expectancy, a clinician may choose to aggressively treat the healthy patient and provide palliative care for the comorbid patient.</a:t>
             </a:r>
           </a:p>
           <a:p>
@@ -2045,7 +2050,7 @@
             </a:pPr>
             <a:r>
               <a:rPr lang="en-US" dirty="0"/>
-              <a:t>If the first patient is highly comorbid with low life expectancy and the second is healthy with a long life expectancy, a clinician may choose to aggressively treat the healthy patient and provide palliative care for the comorbid patient.</a:t>
+              <a:t>Indeed, the paradigm is outlined in various NCCN treatment guidelines.</a:t>
             </a:r>
           </a:p>
           <a:p>
@@ -2066,7 +2071,7 @@
             </a:pPr>
             <a:r>
               <a:rPr lang="en-US" dirty="0"/>
-              <a:t>To make this decision, a clinician must weigh the cancer risk against the patient’s risk of death from other causes. We, therefore, are in need of methods to combine risk predictions of death from cancer and death from other causes. </a:t>
+              <a:t>To make this decision, a clinician must weigh the cancer risk against the patient’s risk of death from other causes. We are, therefore, in need of methods to combine risk predictions of death from cancer and death from other causes. </a:t>
             </a:r>
           </a:p>
           <a:p>
@@ -2112,7 +2117,7 @@
           </a:ln>
           <a:extLst>
             <a:ext uri="{C572A759-6A51-4108-AA02-DFA0A04FC94B}">
-              <ma14:wrappingTextBoxFlag xmlns="" xmlns:m="http://schemas.openxmlformats.org/officeDocument/2006/math" xmlns:a14="http://schemas.microsoft.com/office/drawing/2010/main" xmlns:ma14="http://schemas.microsoft.com/office/mac/drawingml/2011/main" val="1"/>
+              <ma14:wrappingTextBoxFlag xmlns:ma14="http://schemas.microsoft.com/office/mac/drawingml/2011/main" xmlns:a14="http://schemas.microsoft.com/office/drawing/2010/main" xmlns:m="http://schemas.openxmlformats.org/officeDocument/2006/math" xmlns="" val="1"/>
             </a:ext>
           </a:extLst>
         </p:spPr>
@@ -2158,7 +2163,7 @@
         </p:nvSpPr>
         <p:spPr>
           <a:xfrm>
-            <a:off x="1358582" y="12879560"/>
+            <a:off x="1358582" y="12544280"/>
             <a:ext cx="9636761" cy="678327"/>
           </a:xfrm>
           <a:prstGeom prst="rect">
@@ -2169,7 +2174,7 @@
           </a:ln>
           <a:extLst>
             <a:ext uri="{C572A759-6A51-4108-AA02-DFA0A04FC94B}">
-              <ma14:wrappingTextBoxFlag xmlns="" xmlns:m="http://schemas.openxmlformats.org/officeDocument/2006/math" xmlns:a14="http://schemas.microsoft.com/office/drawing/2010/main" xmlns:ma14="http://schemas.microsoft.com/office/mac/drawingml/2011/main" val="1"/>
+              <ma14:wrappingTextBoxFlag xmlns:ma14="http://schemas.microsoft.com/office/mac/drawingml/2011/main" xmlns:a14="http://schemas.microsoft.com/office/drawing/2010/main" xmlns:m="http://schemas.openxmlformats.org/officeDocument/2006/math" xmlns="" val="1"/>
             </a:ext>
           </a:extLst>
         </p:spPr>
@@ -2214,8 +2219,8 @@
         </p:nvSpPr>
         <p:spPr>
           <a:xfrm>
-            <a:off x="1356994" y="13732511"/>
-            <a:ext cx="15163166" cy="7586692"/>
+            <a:off x="1356994" y="13397231"/>
+            <a:ext cx="15163166" cy="8386911"/>
           </a:xfrm>
           <a:prstGeom prst="rect">
             <a:avLst/>
@@ -2225,7 +2230,7 @@
           </a:ln>
           <a:extLst>
             <a:ext uri="{C572A759-6A51-4108-AA02-DFA0A04FC94B}">
-              <ma14:wrappingTextBoxFlag xmlns="" xmlns:m="http://schemas.openxmlformats.org/officeDocument/2006/math" xmlns:a14="http://schemas.microsoft.com/office/drawing/2010/main" xmlns:ma14="http://schemas.microsoft.com/office/mac/drawingml/2011/main" val="1"/>
+              <ma14:wrappingTextBoxFlag xmlns:ma14="http://schemas.microsoft.com/office/mac/drawingml/2011/main" xmlns:a14="http://schemas.microsoft.com/office/drawing/2010/main" xmlns:m="http://schemas.openxmlformats.org/officeDocument/2006/math" xmlns="" val="1"/>
             </a:ext>
           </a:extLst>
         </p:spPr>
@@ -2323,7 +2328,27 @@
                 <a:effectLst/>
                 <a:latin typeface="Helvetica Neue"/>
               </a:rPr>
-              <a:t>By making a few assumptions about the shape and independence of these survival cures, we can accurately correct a death from disease probability to accou</a:t>
+              <a:t>By making a few assumptions about the shape and independence of these survival cures, we can </a:t>
+            </a:r>
+            <a:r>
+              <a:rPr lang="en-US" b="0" i="1" dirty="0">
+                <a:solidFill>
+                  <a:srgbClr val="333333"/>
+                </a:solidFill>
+                <a:effectLst/>
+                <a:latin typeface="Helvetica Neue"/>
+              </a:rPr>
+              <a:t>correct</a:t>
+            </a:r>
+            <a:r>
+              <a:rPr lang="en-US" b="0" i="0" dirty="0">
+                <a:solidFill>
+                  <a:srgbClr val="333333"/>
+                </a:solidFill>
+                <a:effectLst/>
+                <a:latin typeface="Helvetica Neue"/>
+              </a:rPr>
+              <a:t> a death from disease probability to accou</a:t>
             </a:r>
             <a:r>
               <a:rPr lang="en-US" dirty="0">
@@ -2352,7 +2377,31 @@
             </a:pPr>
             <a:r>
               <a:rPr lang="en-US" dirty="0"/>
-              <a:t>Let X and Y be independent random variables with support on (0,∞), and represent a patient’s risk of death from cancer and death from other causes.</a:t>
+              <a:t>Let </a:t>
+            </a:r>
+            <a:r>
+              <a:rPr lang="en-US" i="1" dirty="0"/>
+              <a:t>X</a:t>
+            </a:r>
+            <a:r>
+              <a:rPr lang="en-US" dirty="0"/>
+              <a:t> and </a:t>
+            </a:r>
+            <a:r>
+              <a:rPr lang="en-US" i="1" dirty="0"/>
+              <a:t>Y</a:t>
+            </a:r>
+            <a:r>
+              <a:rPr lang="en-US" dirty="0"/>
+              <a:t> be independent random variables with support on </a:t>
+            </a:r>
+            <a:r>
+              <a:rPr lang="en-US" i="1" dirty="0"/>
+              <a:t>(0,∞)</a:t>
+            </a:r>
+            <a:r>
+              <a:rPr lang="en-US" dirty="0"/>
+              <a:t>, and represent a patient’s risk of death from cancer and death from other causes.</a:t>
             </a:r>
           </a:p>
           <a:p>
@@ -2388,7 +2437,15 @@
             </a:r>
             <a:r>
               <a:rPr lang="en-US" dirty="0"/>
-              <a:t>.</a:t>
+              <a:t> to make the </a:t>
+            </a:r>
+            <a:r>
+              <a:rPr lang="en-US" i="1" dirty="0"/>
+              <a:t>correction</a:t>
+            </a:r>
+            <a:r>
+              <a:rPr lang="en-US" dirty="0"/>
+              <a:t> outlined above.</a:t>
             </a:r>
           </a:p>
           <a:p>
@@ -2436,7 +2493,14 @@
             </a:pPr>
             <a:r>
               <a:rPr lang="en-US" dirty="0"/>
-              <a:t>We make a simplifying assumption that X and Y follow two exponential distributions.</a:t>
+              <a:t>We can make a simplifying assumption that X and Y follow two </a:t>
+            </a:r>
+            <a:br>
+              <a:rPr lang="en-US" dirty="0"/>
+            </a:br>
+            <a:r>
+              <a:rPr lang="en-US" dirty="0"/>
+              <a:t>exponential distributions to solve for this probability.</a:t>
             </a:r>
           </a:p>
           <a:p>
@@ -2581,7 +2645,7 @@
           </a:ln>
           <a:extLst>
             <a:ext uri="{C572A759-6A51-4108-AA02-DFA0A04FC94B}">
-              <ma14:wrappingTextBoxFlag xmlns="" xmlns:m="http://schemas.openxmlformats.org/officeDocument/2006/math" xmlns:a14="http://schemas.microsoft.com/office/drawing/2010/main" xmlns:ma14="http://schemas.microsoft.com/office/mac/drawingml/2011/main" val="1"/>
+              <ma14:wrappingTextBoxFlag xmlns:ma14="http://schemas.microsoft.com/office/mac/drawingml/2011/main" xmlns:a14="http://schemas.microsoft.com/office/drawing/2010/main" xmlns:m="http://schemas.openxmlformats.org/officeDocument/2006/math" xmlns="" val="1"/>
             </a:ext>
           </a:extLst>
         </p:spPr>
@@ -2694,7 +2758,7 @@
           </a:ln>
           <a:extLst>
             <a:ext uri="{C572A759-6A51-4108-AA02-DFA0A04FC94B}">
-              <ma14:wrappingTextBoxFlag xmlns="" xmlns:m="http://schemas.openxmlformats.org/officeDocument/2006/math" xmlns:a14="http://schemas.microsoft.com/office/drawing/2010/main" xmlns:ma14="http://schemas.microsoft.com/office/mac/drawingml/2011/main" val="1"/>
+              <ma14:wrappingTextBoxFlag xmlns:ma14="http://schemas.microsoft.com/office/mac/drawingml/2011/main" xmlns:a14="http://schemas.microsoft.com/office/drawing/2010/main" xmlns:m="http://schemas.openxmlformats.org/officeDocument/2006/math" xmlns="" val="1"/>
             </a:ext>
           </a:extLst>
         </p:spPr>
@@ -2720,7 +2784,7 @@
             </a:pPr>
             <a:r>
               <a:rPr lang="en-US" dirty="0"/>
-              <a:t>Assume that a patient presents with a risk of death from cancer of 20% within 10 years and an identical risk of death from other causes. </a:t>
+              <a:t>Assume a patient presents with a risk of death from cancer of 20% within 10 years and an identical risk of death from other causes. </a:t>
             </a:r>
           </a:p>
           <a:p>
@@ -2780,7 +2844,7 @@
             </a:pPr>
             <a:r>
               <a:rPr lang="en-US" dirty="0"/>
-              <a:t>Simulated data shows the modifications to the probabilities result in improved model calibration, meaning that patients’ and clinicians’ decisions about treatment or withholding treatment will be based on an improved probabilities results in better care for patients.</a:t>
+              <a:t>Simulated data shows the modifications to the probabilities result in improved model calibration, meaning patients’ and clinicians’ decisions about treatment or withholding treatment will be based on an improved probabilities, which translate to better care for patients.</a:t>
             </a:r>
           </a:p>
         </p:txBody>
@@ -2807,7 +2871,7 @@
         </p:blipFill>
         <p:spPr>
           <a:xfrm>
-            <a:off x="12773664" y="20079155"/>
+            <a:off x="12773664" y="19804835"/>
             <a:ext cx="1531753" cy="1463167"/>
           </a:xfrm>
           <a:prstGeom prst="rect">
@@ -2843,7 +2907,7 @@
         </p:blipFill>
         <p:spPr>
           <a:xfrm>
-            <a:off x="14525487" y="19940792"/>
+            <a:off x="14525487" y="19666472"/>
             <a:ext cx="1531753" cy="1767899"/>
           </a:xfrm>
           <a:prstGeom prst="rect">
@@ -5041,6 +5105,11 @@
 </file>
 
 <file path=customXml/item2.xml><?xml version="1.0" encoding="utf-8"?>
+<?mso-contentType ?>
+<FormTemplates xmlns="http://schemas.microsoft.com/sharepoint/v3/contenttype/forms"/>
+</file>
+
+<file path=customXml/item3.xml><?xml version="1.0" encoding="utf-8"?>
 <ct:contentTypeSchema xmlns:ct="http://schemas.microsoft.com/office/2006/metadata/contentType" xmlns:ma="http://schemas.microsoft.com/office/2006/metadata/properties/metaAttributes" ct:_="" ma:_="" ma:contentTypeName="Document" ma:contentTypeID="0x010100E831BC68A47D3340807C7D5708C1A015" ma:contentTypeVersion="17" ma:contentTypeDescription="Create a new document." ma:contentTypeScope="" ma:versionID="94d61bc8a010d7bc7c2bf1a333f663ed">
   <xsd:schema xmlns:xsd="http://www.w3.org/2001/XMLSchema" xmlns:xs="http://www.w3.org/2001/XMLSchema" xmlns:p="http://schemas.microsoft.com/office/2006/metadata/properties" xmlns:ns2="530dd7af-450f-4047-a10f-2abe10e7cc74" xmlns:ns3="9f4046ae-e257-4842-a368-c081efb16aaf" targetNamespace="http://schemas.microsoft.com/office/2006/metadata/properties" ma:root="true" ma:fieldsID="02bd7596a6a048d9425b1fc9b2f8849c" ns2:_="" ns3:_="">
     <xsd:import namespace="530dd7af-450f-4047-a10f-2abe10e7cc74"/>
@@ -5229,11 +5298,6 @@
 </ct:contentTypeSchema>
 </file>
 
-<file path=customXml/item3.xml><?xml version="1.0" encoding="utf-8"?>
-<?mso-contentType ?>
-<FormTemplates xmlns="http://schemas.microsoft.com/sharepoint/v3/contenttype/forms"/>
-</file>
-
 <file path=customXml/itemProps1.xml><?xml version="1.0" encoding="utf-8"?>
 <ds:datastoreItem xmlns:ds="http://schemas.openxmlformats.org/officeDocument/2006/customXml" ds:itemID="{431E2828-DE5A-46F7-A3F6-6D5747B5C1A1}">
   <ds:schemaRefs>
@@ -5245,6 +5309,14 @@
 </file>
 
 <file path=customXml/itemProps2.xml><?xml version="1.0" encoding="utf-8"?>
+<ds:datastoreItem xmlns:ds="http://schemas.openxmlformats.org/officeDocument/2006/customXml" ds:itemID="{A9788C7D-DED1-4FDE-B4F3-18C2D5646A51}">
+  <ds:schemaRefs>
+    <ds:schemaRef ds:uri="http://schemas.microsoft.com/sharepoint/v3/contenttype/forms"/>
+  </ds:schemaRefs>
+</ds:datastoreItem>
+</file>
+
+<file path=customXml/itemProps3.xml><?xml version="1.0" encoding="utf-8"?>
 <ds:datastoreItem xmlns:ds="http://schemas.openxmlformats.org/officeDocument/2006/customXml" ds:itemID="{F2ABDA75-CABB-43E8-97F2-EAD9736C0A74}">
   <ds:schemaRefs>
     <ds:schemaRef ds:uri="http://schemas.microsoft.com/office/2006/metadata/contentType"/>
@@ -5261,12 +5333,4 @@
     <ds:schemaRef ds:uri="http://schemas.microsoft.com/internal/obd"/>
   </ds:schemaRefs>
 </ds:datastoreItem>
-</file>
-
-<file path=customXml/itemProps3.xml><?xml version="1.0" encoding="utf-8"?>
-<ds:datastoreItem xmlns:ds="http://schemas.openxmlformats.org/officeDocument/2006/customXml" ds:itemID="{A9788C7D-DED1-4FDE-B4F3-18C2D5646A51}">
-  <ds:schemaRefs>
-    <ds:schemaRef ds:uri="http://schemas.microsoft.com/sharepoint/v3/contenttype/forms"/>
-  </ds:schemaRefs>
-</ds:datastoreItem>
 </file>
--- a/R-Med Poster 2023/Sjoberg - RMed 2023 CRC Poster.pptx
+++ b/R-Med Poster 2023/Sjoberg - RMed 2023 CRC Poster.pptx
@@ -880,7 +880,7 @@
           </a:ln>
           <a:extLst>
             <a:ext uri="{C572A759-6A51-4108-AA02-DFA0A04FC94B}">
-              <ma14:wrappingTextBoxFlag xmlns:ma14="http://schemas.microsoft.com/office/mac/drawingml/2011/main" xmlns:a14="http://schemas.microsoft.com/office/drawing/2010/main" xmlns:m="http://schemas.openxmlformats.org/officeDocument/2006/math" xmlns="" val="1"/>
+              <ma14:wrappingTextBoxFlag xmlns="" xmlns:m="http://schemas.openxmlformats.org/officeDocument/2006/math" xmlns:a14="http://schemas.microsoft.com/office/drawing/2010/main" xmlns:ma14="http://schemas.microsoft.com/office/mac/drawingml/2011/main" val="1"/>
             </a:ext>
           </a:extLst>
         </p:spPr>
@@ -919,7 +919,7 @@
           </a:ln>
           <a:extLst>
             <a:ext uri="{C572A759-6A51-4108-AA02-DFA0A04FC94B}">
-              <ma14:wrappingTextBoxFlag xmlns:ma14="http://schemas.microsoft.com/office/mac/drawingml/2011/main" xmlns:a14="http://schemas.microsoft.com/office/drawing/2010/main" xmlns:m="http://schemas.openxmlformats.org/officeDocument/2006/math" xmlns="" val="1"/>
+              <ma14:wrappingTextBoxFlag xmlns="" xmlns:m="http://schemas.openxmlformats.org/officeDocument/2006/math" xmlns:a14="http://schemas.microsoft.com/office/drawing/2010/main" xmlns:ma14="http://schemas.microsoft.com/office/mac/drawingml/2011/main" val="1"/>
             </a:ext>
           </a:extLst>
         </p:spPr>
@@ -1847,7 +1847,7 @@
           </a:prstGeom>
           <a:extLst>
             <a:ext uri="{C572A759-6A51-4108-AA02-DFA0A04FC94B}">
-              <ma14:wrappingTextBoxFlag xmlns:ma14="http://schemas.microsoft.com/office/mac/drawingml/2011/main" xmlns:a14="http://schemas.microsoft.com/office/drawing/2010/main" xmlns:m="http://schemas.openxmlformats.org/officeDocument/2006/math" xmlns="" val="1"/>
+              <ma14:wrappingTextBoxFlag xmlns="" xmlns:m="http://schemas.openxmlformats.org/officeDocument/2006/math" xmlns:a14="http://schemas.microsoft.com/office/drawing/2010/main" xmlns:ma14="http://schemas.microsoft.com/office/mac/drawingml/2011/main" val="1"/>
             </a:ext>
           </a:extLst>
         </p:spPr>
@@ -1889,7 +1889,7 @@
           </a:prstGeom>
           <a:extLst>
             <a:ext uri="{C572A759-6A51-4108-AA02-DFA0A04FC94B}">
-              <ma14:wrappingTextBoxFlag xmlns:ma14="http://schemas.microsoft.com/office/mac/drawingml/2011/main" xmlns:a14="http://schemas.microsoft.com/office/drawing/2010/main" xmlns:m="http://schemas.openxmlformats.org/officeDocument/2006/math" xmlns="" val="1"/>
+              <ma14:wrappingTextBoxFlag xmlns="" xmlns:m="http://schemas.openxmlformats.org/officeDocument/2006/math" xmlns:a14="http://schemas.microsoft.com/office/drawing/2010/main" xmlns:ma14="http://schemas.microsoft.com/office/mac/drawingml/2011/main" val="1"/>
             </a:ext>
           </a:extLst>
         </p:spPr>
@@ -1939,7 +1939,7 @@
           </a:prstGeom>
           <a:extLst>
             <a:ext uri="{C572A759-6A51-4108-AA02-DFA0A04FC94B}">
-              <ma14:wrappingTextBoxFlag xmlns:ma14="http://schemas.microsoft.com/office/mac/drawingml/2011/main" xmlns:a14="http://schemas.microsoft.com/office/drawing/2010/main" xmlns:m="http://schemas.openxmlformats.org/officeDocument/2006/math" xmlns="" val="1"/>
+              <ma14:wrappingTextBoxFlag xmlns="" xmlns:m="http://schemas.openxmlformats.org/officeDocument/2006/math" xmlns:a14="http://schemas.microsoft.com/office/drawing/2010/main" xmlns:ma14="http://schemas.microsoft.com/office/mac/drawingml/2011/main" val="1"/>
             </a:ext>
           </a:extLst>
         </p:spPr>
@@ -2117,7 +2117,7 @@
           </a:ln>
           <a:extLst>
             <a:ext uri="{C572A759-6A51-4108-AA02-DFA0A04FC94B}">
-              <ma14:wrappingTextBoxFlag xmlns:ma14="http://schemas.microsoft.com/office/mac/drawingml/2011/main" xmlns:a14="http://schemas.microsoft.com/office/drawing/2010/main" xmlns:m="http://schemas.openxmlformats.org/officeDocument/2006/math" xmlns="" val="1"/>
+              <ma14:wrappingTextBoxFlag xmlns="" xmlns:m="http://schemas.openxmlformats.org/officeDocument/2006/math" xmlns:a14="http://schemas.microsoft.com/office/drawing/2010/main" xmlns:ma14="http://schemas.microsoft.com/office/mac/drawingml/2011/main" val="1"/>
             </a:ext>
           </a:extLst>
         </p:spPr>
@@ -2174,7 +2174,7 @@
           </a:ln>
           <a:extLst>
             <a:ext uri="{C572A759-6A51-4108-AA02-DFA0A04FC94B}">
-              <ma14:wrappingTextBoxFlag xmlns:ma14="http://schemas.microsoft.com/office/mac/drawingml/2011/main" xmlns:a14="http://schemas.microsoft.com/office/drawing/2010/main" xmlns:m="http://schemas.openxmlformats.org/officeDocument/2006/math" xmlns="" val="1"/>
+              <ma14:wrappingTextBoxFlag xmlns="" xmlns:m="http://schemas.openxmlformats.org/officeDocument/2006/math" xmlns:a14="http://schemas.microsoft.com/office/drawing/2010/main" xmlns:ma14="http://schemas.microsoft.com/office/mac/drawingml/2011/main" val="1"/>
             </a:ext>
           </a:extLst>
         </p:spPr>
@@ -2230,7 +2230,7 @@
           </a:ln>
           <a:extLst>
             <a:ext uri="{C572A759-6A51-4108-AA02-DFA0A04FC94B}">
-              <ma14:wrappingTextBoxFlag xmlns:ma14="http://schemas.microsoft.com/office/mac/drawingml/2011/main" xmlns:a14="http://schemas.microsoft.com/office/drawing/2010/main" xmlns:m="http://schemas.openxmlformats.org/officeDocument/2006/math" xmlns="" val="1"/>
+              <ma14:wrappingTextBoxFlag xmlns="" xmlns:m="http://schemas.openxmlformats.org/officeDocument/2006/math" xmlns:a14="http://schemas.microsoft.com/office/drawing/2010/main" xmlns:ma14="http://schemas.microsoft.com/office/mac/drawingml/2011/main" val="1"/>
             </a:ext>
           </a:extLst>
         </p:spPr>
@@ -2645,7 +2645,7 @@
           </a:ln>
           <a:extLst>
             <a:ext uri="{C572A759-6A51-4108-AA02-DFA0A04FC94B}">
-              <ma14:wrappingTextBoxFlag xmlns:ma14="http://schemas.microsoft.com/office/mac/drawingml/2011/main" xmlns:a14="http://schemas.microsoft.com/office/drawing/2010/main" xmlns:m="http://schemas.openxmlformats.org/officeDocument/2006/math" xmlns="" val="1"/>
+              <ma14:wrappingTextBoxFlag xmlns="" xmlns:m="http://schemas.openxmlformats.org/officeDocument/2006/math" xmlns:a14="http://schemas.microsoft.com/office/drawing/2010/main" xmlns:ma14="http://schemas.microsoft.com/office/mac/drawingml/2011/main" val="1"/>
             </a:ext>
           </a:extLst>
         </p:spPr>
@@ -2758,7 +2758,7 @@
           </a:ln>
           <a:extLst>
             <a:ext uri="{C572A759-6A51-4108-AA02-DFA0A04FC94B}">
-              <ma14:wrappingTextBoxFlag xmlns:ma14="http://schemas.microsoft.com/office/mac/drawingml/2011/main" xmlns:a14="http://schemas.microsoft.com/office/drawing/2010/main" xmlns:m="http://schemas.openxmlformats.org/officeDocument/2006/math" xmlns="" val="1"/>
+              <ma14:wrappingTextBoxFlag xmlns="" xmlns:m="http://schemas.openxmlformats.org/officeDocument/2006/math" xmlns:a14="http://schemas.microsoft.com/office/drawing/2010/main" xmlns:ma14="http://schemas.microsoft.com/office/mac/drawingml/2011/main" val="1"/>
             </a:ext>
           </a:extLst>
         </p:spPr>
@@ -5105,11 +5105,6 @@
 </file>
 
 <file path=customXml/item2.xml><?xml version="1.0" encoding="utf-8"?>
-<?mso-contentType ?>
-<FormTemplates xmlns="http://schemas.microsoft.com/sharepoint/v3/contenttype/forms"/>
-</file>
-
-<file path=customXml/item3.xml><?xml version="1.0" encoding="utf-8"?>
 <ct:contentTypeSchema xmlns:ct="http://schemas.microsoft.com/office/2006/metadata/contentType" xmlns:ma="http://schemas.microsoft.com/office/2006/metadata/properties/metaAttributes" ct:_="" ma:_="" ma:contentTypeName="Document" ma:contentTypeID="0x010100E831BC68A47D3340807C7D5708C1A015" ma:contentTypeVersion="17" ma:contentTypeDescription="Create a new document." ma:contentTypeScope="" ma:versionID="94d61bc8a010d7bc7c2bf1a333f663ed">
   <xsd:schema xmlns:xsd="http://www.w3.org/2001/XMLSchema" xmlns:xs="http://www.w3.org/2001/XMLSchema" xmlns:p="http://schemas.microsoft.com/office/2006/metadata/properties" xmlns:ns2="530dd7af-450f-4047-a10f-2abe10e7cc74" xmlns:ns3="9f4046ae-e257-4842-a368-c081efb16aaf" targetNamespace="http://schemas.microsoft.com/office/2006/metadata/properties" ma:root="true" ma:fieldsID="02bd7596a6a048d9425b1fc9b2f8849c" ns2:_="" ns3:_="">
     <xsd:import namespace="530dd7af-450f-4047-a10f-2abe10e7cc74"/>
@@ -5298,25 +5293,29 @@
 </ct:contentTypeSchema>
 </file>
 
+<file path=customXml/item3.xml><?xml version="1.0" encoding="utf-8"?>
+<?mso-contentType ?>
+<FormTemplates xmlns="http://schemas.microsoft.com/sharepoint/v3/contenttype/forms"/>
+</file>
+
 <file path=customXml/itemProps1.xml><?xml version="1.0" encoding="utf-8"?>
 <ds:datastoreItem xmlns:ds="http://schemas.openxmlformats.org/officeDocument/2006/customXml" ds:itemID="{431E2828-DE5A-46F7-A3F6-6D5747B5C1A1}">
   <ds:schemaRefs>
+    <ds:schemaRef ds:uri="http://purl.org/dc/elements/1.1/"/>
     <ds:schemaRef ds:uri="http://schemas.microsoft.com/office/2006/metadata/properties"/>
+    <ds:schemaRef ds:uri="http://purl.org/dc/terms/"/>
+    <ds:schemaRef ds:uri="http://purl.org/dc/dcmitype/"/>
+    <ds:schemaRef ds:uri="530dd7af-450f-4047-a10f-2abe10e7cc74"/>
+    <ds:schemaRef ds:uri="http://www.w3.org/XML/1998/namespace"/>
+    <ds:schemaRef ds:uri="http://schemas.microsoft.com/office/2006/documentManagement/types"/>
+    <ds:schemaRef ds:uri="http://schemas.openxmlformats.org/package/2006/metadata/core-properties"/>
     <ds:schemaRef ds:uri="http://schemas.microsoft.com/office/infopath/2007/PartnerControls"/>
-    <ds:schemaRef ds:uri="530dd7af-450f-4047-a10f-2abe10e7cc74"/>
+    <ds:schemaRef ds:uri="9f4046ae-e257-4842-a368-c081efb16aaf"/>
   </ds:schemaRefs>
 </ds:datastoreItem>
 </file>
 
 <file path=customXml/itemProps2.xml><?xml version="1.0" encoding="utf-8"?>
-<ds:datastoreItem xmlns:ds="http://schemas.openxmlformats.org/officeDocument/2006/customXml" ds:itemID="{A9788C7D-DED1-4FDE-B4F3-18C2D5646A51}">
-  <ds:schemaRefs>
-    <ds:schemaRef ds:uri="http://schemas.microsoft.com/sharepoint/v3/contenttype/forms"/>
-  </ds:schemaRefs>
-</ds:datastoreItem>
-</file>
-
-<file path=customXml/itemProps3.xml><?xml version="1.0" encoding="utf-8"?>
 <ds:datastoreItem xmlns:ds="http://schemas.openxmlformats.org/officeDocument/2006/customXml" ds:itemID="{F2ABDA75-CABB-43E8-97F2-EAD9736C0A74}">
   <ds:schemaRefs>
     <ds:schemaRef ds:uri="http://schemas.microsoft.com/office/2006/metadata/contentType"/>
@@ -5333,4 +5332,12 @@
     <ds:schemaRef ds:uri="http://schemas.microsoft.com/internal/obd"/>
   </ds:schemaRefs>
 </ds:datastoreItem>
+</file>
+
+<file path=customXml/itemProps3.xml><?xml version="1.0" encoding="utf-8"?>
+<ds:datastoreItem xmlns:ds="http://schemas.openxmlformats.org/officeDocument/2006/customXml" ds:itemID="{A9788C7D-DED1-4FDE-B4F3-18C2D5646A51}">
+  <ds:schemaRefs>
+    <ds:schemaRef ds:uri="http://schemas.microsoft.com/sharepoint/v3/contenttype/forms"/>
+  </ds:schemaRefs>
+</ds:datastoreItem>
 </file>